--- a/CMSI402(presentation).pptx
+++ b/CMSI402(presentation).pptx
@@ -309,7 +309,7 @@
             <a:fld id="{E30E2307-1E40-4E12-8716-25BFDA8E7013}" type="datetime1">
               <a:rPr lang="en-US" smtClean="0"/>
               <a:pPr/>
-              <a:t>1/21/15</a:t>
+              <a:t>1/28/15</a:t>
             </a:fld>
             <a:endParaRPr lang="en-US"/>
           </a:p>
@@ -575,7 +575,7 @@
           <a:p>
             <a:fld id="{74C17E51-2B21-A746-A194-3FB934FA8E64}" type="datetimeFigureOut">
               <a:rPr lang="en-US" smtClean="0"/>
-              <a:t>1/21/15</a:t>
+              <a:t>1/28/15</a:t>
             </a:fld>
             <a:endParaRPr lang="en-US"/>
           </a:p>
@@ -750,7 +750,7 @@
           <a:p>
             <a:fld id="{74C17E51-2B21-A746-A194-3FB934FA8E64}" type="datetimeFigureOut">
               <a:rPr lang="en-US" smtClean="0"/>
-              <a:t>1/21/15</a:t>
+              <a:t>1/28/15</a:t>
             </a:fld>
             <a:endParaRPr lang="en-US"/>
           </a:p>
@@ -915,7 +915,7 @@
           <a:p>
             <a:fld id="{74C17E51-2B21-A746-A194-3FB934FA8E64}" type="datetimeFigureOut">
               <a:rPr lang="en-US" smtClean="0"/>
-              <a:t>1/21/15</a:t>
+              <a:t>1/28/15</a:t>
             </a:fld>
             <a:endParaRPr lang="en-US"/>
           </a:p>
@@ -1165,7 +1165,7 @@
             <a:fld id="{7B8AEBBE-F8B2-42CF-9895-E86A608384EB}" type="datetime1">
               <a:rPr lang="en-US" smtClean="0"/>
               <a:pPr/>
-              <a:t>1/21/15</a:t>
+              <a:t>1/28/15</a:t>
             </a:fld>
             <a:endParaRPr lang="en-US"/>
           </a:p>
@@ -1449,7 +1449,7 @@
           <a:p>
             <a:fld id="{74C17E51-2B21-A746-A194-3FB934FA8E64}" type="datetimeFigureOut">
               <a:rPr lang="en-US" smtClean="0"/>
-              <a:t>1/21/15</a:t>
+              <a:t>1/28/15</a:t>
             </a:fld>
             <a:endParaRPr lang="en-US"/>
           </a:p>
@@ -1888,7 +1888,7 @@
           <a:p>
             <a:fld id="{74C17E51-2B21-A746-A194-3FB934FA8E64}" type="datetimeFigureOut">
               <a:rPr lang="en-US" smtClean="0"/>
-              <a:t>1/21/15</a:t>
+              <a:t>1/28/15</a:t>
             </a:fld>
             <a:endParaRPr lang="en-US"/>
           </a:p>
@@ -2001,7 +2001,7 @@
           <a:p>
             <a:fld id="{74C17E51-2B21-A746-A194-3FB934FA8E64}" type="datetimeFigureOut">
               <a:rPr lang="en-US" smtClean="0"/>
-              <a:t>1/21/15</a:t>
+              <a:t>1/28/15</a:t>
             </a:fld>
             <a:endParaRPr lang="en-US"/>
           </a:p>
@@ -2091,7 +2091,7 @@
           <a:p>
             <a:fld id="{74C17E51-2B21-A746-A194-3FB934FA8E64}" type="datetimeFigureOut">
               <a:rPr lang="en-US" smtClean="0"/>
-              <a:t>1/21/15</a:t>
+              <a:t>1/28/15</a:t>
             </a:fld>
             <a:endParaRPr lang="en-US"/>
           </a:p>
@@ -2333,7 +2333,7 @@
           <a:p>
             <a:fld id="{74C17E51-2B21-A746-A194-3FB934FA8E64}" type="datetimeFigureOut">
               <a:rPr lang="en-US" smtClean="0"/>
-              <a:t>1/21/15</a:t>
+              <a:t>1/28/15</a:t>
             </a:fld>
             <a:endParaRPr lang="en-US"/>
           </a:p>
@@ -2628,7 +2628,7 @@
           <a:p>
             <a:fld id="{74C17E51-2B21-A746-A194-3FB934FA8E64}" type="datetimeFigureOut">
               <a:rPr lang="en-US" smtClean="0"/>
-              <a:t>1/21/15</a:t>
+              <a:t>1/28/15</a:t>
             </a:fld>
             <a:endParaRPr lang="en-US"/>
           </a:p>
@@ -2922,7 +2922,7 @@
           <a:p>
             <a:fld id="{74C17E51-2B21-A746-A194-3FB934FA8E64}" type="datetimeFigureOut">
               <a:rPr lang="en-US" smtClean="0"/>
-              <a:t>1/21/15</a:t>
+              <a:t>1/28/15</a:t>
             </a:fld>
             <a:endParaRPr lang="en-US"/>
           </a:p>
@@ -3599,11 +3599,7 @@
             </a:pPr>
             <a:r>
               <a:rPr lang="en-US" sz="3200" dirty="0" smtClean="0"/>
-              <a:t>E</a:t>
-            </a:r>
-            <a:r>
-              <a:rPr lang="en-US" sz="3200" dirty="0" smtClean="0"/>
-              <a:t>ssentially a log </a:t>
+              <a:t>Essentially a log </a:t>
             </a:r>
             <a:r>
               <a:rPr lang="en-US" sz="3200" dirty="0"/>
@@ -3719,7 +3715,6 @@
               <a:rPr lang="en-US" sz="3200" dirty="0" smtClean="0"/>
               <a:t>New technologies</a:t>
             </a:r>
-            <a:endParaRPr lang="en-US" sz="3200" dirty="0" smtClean="0"/>
           </a:p>
           <a:p>
             <a:pPr marL="342900" indent="-342900">
@@ -3989,7 +3984,15 @@
             <a:pPr lvl="1"/>
             <a:r>
               <a:rPr lang="en-US" sz="2400" dirty="0" smtClean="0"/>
-              <a:t>What the viewer sees</a:t>
+              <a:t>What the </a:t>
+            </a:r>
+            <a:r>
+              <a:rPr lang="en-US" sz="2400" dirty="0" smtClean="0"/>
+              <a:t>user </a:t>
+            </a:r>
+            <a:r>
+              <a:rPr lang="en-US" sz="2400" dirty="0" smtClean="0"/>
+              <a:t>sees</a:t>
             </a:r>
           </a:p>
           <a:p>
@@ -4135,11 +4138,7 @@
           <a:p>
             <a:r>
               <a:rPr lang="en-US" sz="2800" dirty="0" smtClean="0"/>
-              <a:t>Rails &amp; Rake </a:t>
-            </a:r>
-            <a:r>
-              <a:rPr lang="en-US" sz="2800" dirty="0" smtClean="0"/>
-              <a:t>Task</a:t>
+              <a:t>Rails &amp; Rake Task</a:t>
             </a:r>
           </a:p>
           <a:p>
@@ -4315,7 +4314,6 @@
               <a:rPr lang="en-US" sz="2400" dirty="0" smtClean="0"/>
               <a:t>Middleware</a:t>
             </a:r>
-            <a:endParaRPr lang="en-US" sz="2400" dirty="0" smtClean="0"/>
           </a:p>
           <a:p>
             <a:r>
@@ -4342,7 +4340,6 @@
               <a:rPr lang="en-US" sz="2400" dirty="0" smtClean="0"/>
               <a:t>Rake Task</a:t>
             </a:r>
-            <a:endParaRPr lang="en-US" sz="2400" dirty="0" smtClean="0"/>
           </a:p>
           <a:p>
             <a:r>
@@ -4373,6 +4370,13 @@
   <p:clrMapOvr>
     <a:masterClrMapping/>
   </p:clrMapOvr>
+  <p:timing>
+    <p:tnLst>
+      <p:par>
+        <p:cTn xmlns:p14="http://schemas.microsoft.com/office/powerpoint/2010/main" id="1" dur="indefinite" restart="never" nodeType="tmRoot"/>
+      </p:par>
+    </p:tnLst>
+  </p:timing>
 </p:sld>
 </file>
 
@@ -4472,7 +4476,6 @@
               <a:rPr lang="en-US" sz="3200" dirty="0" smtClean="0"/>
               <a:t>Consists of three parts:</a:t>
             </a:r>
-            <a:endParaRPr lang="en-US" sz="3200" dirty="0" smtClean="0"/>
           </a:p>
           <a:p>
             <a:pPr marL="914400" lvl="1" indent="-457200">
@@ -4517,6 +4520,13 @@
   <p:clrMapOvr>
     <a:masterClrMapping/>
   </p:clrMapOvr>
+  <p:timing>
+    <p:tnLst>
+      <p:par>
+        <p:cTn xmlns:p14="http://schemas.microsoft.com/office/powerpoint/2010/main" id="1" dur="indefinite" restart="never" nodeType="tmRoot"/>
+      </p:par>
+    </p:tnLst>
+  </p:timing>
 </p:sld>
 </file>
 
@@ -4577,6 +4587,13 @@
   <p:clrMapOvr>
     <a:masterClrMapping/>
   </p:clrMapOvr>
+  <p:timing>
+    <p:tnLst>
+      <p:par>
+        <p:cTn xmlns:p14="http://schemas.microsoft.com/office/powerpoint/2010/main" id="1" dur="indefinite" restart="never" nodeType="tmRoot"/>
+      </p:par>
+    </p:tnLst>
+  </p:timing>
 </p:sld>
 </file>
 
